--- a/project/DIRECT_Poster.pptx
+++ b/project/DIRECT_Poster.pptx
@@ -3883,7 +3883,7 @@
           <p:nvPr/>
         </p:nvPicPr>
         <p:blipFill>
-          <a:blip r:embed="rId5">
+          <a:blip r:embed="rId5" cstate="hqprint">
             <a:extLst>
               <a:ext uri="{28A0092B-C50C-407E-A947-70E740481C1C}">
                 <a14:useLocalDpi xmlns:a14="http://schemas.microsoft.com/office/drawing/2010/main" val="0"/>
@@ -6904,10 +6904,10 @@
       </p:sp>
       <p:pic>
         <p:nvPicPr>
-          <p:cNvPr id="51" name="Picture 50">
+          <p:cNvPr id="53" name="Picture 52">
             <a:extLst>
               <a:ext uri="{FF2B5EF4-FFF2-40B4-BE49-F238E27FC236}">
-                <a16:creationId xmlns:a16="http://schemas.microsoft.com/office/drawing/2014/main" id="{CE95B92D-9BE5-4E37-9566-F2A4B09AA933}"/>
+                <a16:creationId xmlns:a16="http://schemas.microsoft.com/office/drawing/2014/main" id="{B692ED49-FF59-4667-9F96-801C181B84DF}"/>
               </a:ext>
             </a:extLst>
           </p:cNvPr>
@@ -6930,8 +6930,8 @@
         </p:blipFill>
         <p:spPr>
           <a:xfrm>
-            <a:off x="28132510" y="19824978"/>
-            <a:ext cx="15227575" cy="5788855"/>
+            <a:off x="11024686" y="26108414"/>
+            <a:ext cx="5518266" cy="4414613"/>
           </a:xfrm>
           <a:prstGeom prst="rect">
             <a:avLst/>
@@ -6940,10 +6940,10 @@
       </p:pic>
       <p:pic>
         <p:nvPicPr>
-          <p:cNvPr id="53" name="Picture 52">
+          <p:cNvPr id="57" name="Picture 56">
             <a:extLst>
               <a:ext uri="{FF2B5EF4-FFF2-40B4-BE49-F238E27FC236}">
-                <a16:creationId xmlns:a16="http://schemas.microsoft.com/office/drawing/2014/main" id="{B692ED49-FF59-4667-9F96-801C181B84DF}"/>
+                <a16:creationId xmlns:a16="http://schemas.microsoft.com/office/drawing/2014/main" id="{3050354B-7582-48DA-8FE1-B15BD28E2AD7}"/>
               </a:ext>
             </a:extLst>
           </p:cNvPr>
@@ -6966,8 +6966,8 @@
         </p:blipFill>
         <p:spPr>
           <a:xfrm>
-            <a:off x="11024686" y="26108414"/>
-            <a:ext cx="5518266" cy="4414613"/>
+            <a:off x="17348255" y="7529410"/>
+            <a:ext cx="10784255" cy="4455388"/>
           </a:xfrm>
           <a:prstGeom prst="rect">
             <a:avLst/>
@@ -6976,10 +6976,10 @@
       </p:pic>
       <p:pic>
         <p:nvPicPr>
-          <p:cNvPr id="57" name="Picture 56">
+          <p:cNvPr id="59" name="Picture 58">
             <a:extLst>
               <a:ext uri="{FF2B5EF4-FFF2-40B4-BE49-F238E27FC236}">
-                <a16:creationId xmlns:a16="http://schemas.microsoft.com/office/drawing/2014/main" id="{3050354B-7582-48DA-8FE1-B15BD28E2AD7}"/>
+                <a16:creationId xmlns:a16="http://schemas.microsoft.com/office/drawing/2014/main" id="{35B066BC-D687-45D0-AD8F-BD345495F22C}"/>
               </a:ext>
             </a:extLst>
           </p:cNvPr>
@@ -7002,42 +7002,6 @@
         </p:blipFill>
         <p:spPr>
           <a:xfrm>
-            <a:off x="17348255" y="7529410"/>
-            <a:ext cx="10784255" cy="4455388"/>
-          </a:xfrm>
-          <a:prstGeom prst="rect">
-            <a:avLst/>
-          </a:prstGeom>
-        </p:spPr>
-      </p:pic>
-      <p:pic>
-        <p:nvPicPr>
-          <p:cNvPr id="59" name="Picture 58">
-            <a:extLst>
-              <a:ext uri="{FF2B5EF4-FFF2-40B4-BE49-F238E27FC236}">
-                <a16:creationId xmlns:a16="http://schemas.microsoft.com/office/drawing/2014/main" id="{35B066BC-D687-45D0-AD8F-BD345495F22C}"/>
-              </a:ext>
-            </a:extLst>
-          </p:cNvPr>
-          <p:cNvPicPr>
-            <a:picLocks noChangeAspect="1"/>
-          </p:cNvPicPr>
-          <p:nvPr/>
-        </p:nvPicPr>
-        <p:blipFill>
-          <a:blip r:embed="rId17">
-            <a:extLst>
-              <a:ext uri="{28A0092B-C50C-407E-A947-70E740481C1C}">
-                <a14:useLocalDpi xmlns:a14="http://schemas.microsoft.com/office/drawing/2010/main" val="0"/>
-              </a:ext>
-            </a:extLst>
-          </a:blip>
-          <a:stretch>
-            <a:fillRect/>
-          </a:stretch>
-        </p:blipFill>
-        <p:spPr>
-          <a:xfrm>
             <a:off x="17221549" y="17003580"/>
             <a:ext cx="10905671" cy="4522413"/>
           </a:xfrm>
@@ -7668,7 +7632,7 @@
           <p:nvPr/>
         </p:nvPicPr>
         <p:blipFill rotWithShape="1">
-          <a:blip r:embed="rId18">
+          <a:blip r:embed="rId17">
             <a:extLst>
               <a:ext uri="{28A0092B-C50C-407E-A947-70E740481C1C}">
                 <a14:useLocalDpi xmlns:a14="http://schemas.microsoft.com/office/drawing/2010/main" val="0"/>
@@ -7699,6 +7663,30 @@
               </a:srgbClr>
             </a:outerShdw>
           </a:effectLst>
+        </p:spPr>
+      </p:pic>
+      <p:pic>
+        <p:nvPicPr>
+          <p:cNvPr id="2" name="Picture 1"/>
+          <p:cNvPicPr>
+            <a:picLocks noChangeAspect="1"/>
+          </p:cNvPicPr>
+          <p:nvPr/>
+        </p:nvPicPr>
+        <p:blipFill>
+          <a:blip r:embed="rId18"/>
+          <a:stretch>
+            <a:fillRect/>
+          </a:stretch>
+        </p:blipFill>
+        <p:spPr>
+          <a:xfrm>
+            <a:off x="28896496" y="19818029"/>
+            <a:ext cx="14473233" cy="5779525"/>
+          </a:xfrm>
+          <a:prstGeom prst="rect">
+            <a:avLst/>
+          </a:prstGeom>
         </p:spPr>
       </p:pic>
     </p:spTree>

--- a/project/DIRECT_Poster.pptx
+++ b/project/DIRECT_Poster.pptx
@@ -7667,7 +7667,7 @@
       </p:pic>
       <p:pic>
         <p:nvPicPr>
-          <p:cNvPr id="2" name="Picture 1"/>
+          <p:cNvPr id="18" name="Picture 17"/>
           <p:cNvPicPr>
             <a:picLocks noChangeAspect="1"/>
           </p:cNvPicPr>
@@ -7681,8 +7681,8 @@
         </p:blipFill>
         <p:spPr>
           <a:xfrm>
-            <a:off x="28896496" y="19818029"/>
-            <a:ext cx="14473233" cy="5779525"/>
+            <a:off x="29521619" y="20190311"/>
+            <a:ext cx="14019338" cy="5390844"/>
           </a:xfrm>
           <a:prstGeom prst="rect">
             <a:avLst/>

--- a/project/DIRECT_Poster.pptx
+++ b/project/DIRECT_Poster.pptx
@@ -243,7 +243,7 @@
           <a:p>
             <a:fld id="{0BE11D4F-DB33-4DA7-996A-B7BA98720CF3}" type="datetimeFigureOut">
               <a:rPr lang="en-US" smtClean="0"/>
-              <a:t>3/14/2019</a:t>
+              <a:t>3/15/2019</a:t>
             </a:fld>
             <a:endParaRPr lang="en-US"/>
           </a:p>
@@ -413,7 +413,7 @@
           <a:p>
             <a:fld id="{0BE11D4F-DB33-4DA7-996A-B7BA98720CF3}" type="datetimeFigureOut">
               <a:rPr lang="en-US" smtClean="0"/>
-              <a:t>3/14/2019</a:t>
+              <a:t>3/15/2019</a:t>
             </a:fld>
             <a:endParaRPr lang="en-US"/>
           </a:p>
@@ -593,7 +593,7 @@
           <a:p>
             <a:fld id="{0BE11D4F-DB33-4DA7-996A-B7BA98720CF3}" type="datetimeFigureOut">
               <a:rPr lang="en-US" smtClean="0"/>
-              <a:t>3/14/2019</a:t>
+              <a:t>3/15/2019</a:t>
             </a:fld>
             <a:endParaRPr lang="en-US"/>
           </a:p>
@@ -763,7 +763,7 @@
           <a:p>
             <a:fld id="{0BE11D4F-DB33-4DA7-996A-B7BA98720CF3}" type="datetimeFigureOut">
               <a:rPr lang="en-US" smtClean="0"/>
-              <a:t>3/14/2019</a:t>
+              <a:t>3/15/2019</a:t>
             </a:fld>
             <a:endParaRPr lang="en-US"/>
           </a:p>
@@ -1007,7 +1007,7 @@
           <a:p>
             <a:fld id="{0BE11D4F-DB33-4DA7-996A-B7BA98720CF3}" type="datetimeFigureOut">
               <a:rPr lang="en-US" smtClean="0"/>
-              <a:t>3/14/2019</a:t>
+              <a:t>3/15/2019</a:t>
             </a:fld>
             <a:endParaRPr lang="en-US"/>
           </a:p>
@@ -1239,7 +1239,7 @@
           <a:p>
             <a:fld id="{0BE11D4F-DB33-4DA7-996A-B7BA98720CF3}" type="datetimeFigureOut">
               <a:rPr lang="en-US" smtClean="0"/>
-              <a:t>3/14/2019</a:t>
+              <a:t>3/15/2019</a:t>
             </a:fld>
             <a:endParaRPr lang="en-US"/>
           </a:p>
@@ -1606,7 +1606,7 @@
           <a:p>
             <a:fld id="{0BE11D4F-DB33-4DA7-996A-B7BA98720CF3}" type="datetimeFigureOut">
               <a:rPr lang="en-US" smtClean="0"/>
-              <a:t>3/14/2019</a:t>
+              <a:t>3/15/2019</a:t>
             </a:fld>
             <a:endParaRPr lang="en-US"/>
           </a:p>
@@ -1724,7 +1724,7 @@
           <a:p>
             <a:fld id="{0BE11D4F-DB33-4DA7-996A-B7BA98720CF3}" type="datetimeFigureOut">
               <a:rPr lang="en-US" smtClean="0"/>
-              <a:t>3/14/2019</a:t>
+              <a:t>3/15/2019</a:t>
             </a:fld>
             <a:endParaRPr lang="en-US"/>
           </a:p>
@@ -1819,7 +1819,7 @@
           <a:p>
             <a:fld id="{0BE11D4F-DB33-4DA7-996A-B7BA98720CF3}" type="datetimeFigureOut">
               <a:rPr lang="en-US" smtClean="0"/>
-              <a:t>3/14/2019</a:t>
+              <a:t>3/15/2019</a:t>
             </a:fld>
             <a:endParaRPr lang="en-US"/>
           </a:p>
@@ -2096,7 +2096,7 @@
           <a:p>
             <a:fld id="{0BE11D4F-DB33-4DA7-996A-B7BA98720CF3}" type="datetimeFigureOut">
               <a:rPr lang="en-US" smtClean="0"/>
-              <a:t>3/14/2019</a:t>
+              <a:t>3/15/2019</a:t>
             </a:fld>
             <a:endParaRPr lang="en-US"/>
           </a:p>
@@ -2353,7 +2353,7 @@
           <a:p>
             <a:fld id="{0BE11D4F-DB33-4DA7-996A-B7BA98720CF3}" type="datetimeFigureOut">
               <a:rPr lang="en-US" smtClean="0"/>
-              <a:t>3/14/2019</a:t>
+              <a:t>3/15/2019</a:t>
             </a:fld>
             <a:endParaRPr lang="en-US"/>
           </a:p>
@@ -2566,7 +2566,7 @@
           <a:p>
             <a:fld id="{0BE11D4F-DB33-4DA7-996A-B7BA98720CF3}" type="datetimeFigureOut">
               <a:rPr lang="en-US" smtClean="0"/>
-              <a:t>3/14/2019</a:t>
+              <a:t>3/15/2019</a:t>
             </a:fld>
             <a:endParaRPr lang="en-US"/>
           </a:p>
@@ -3170,7 +3170,7 @@
         </p:nvSpPr>
         <p:spPr>
           <a:xfrm>
-            <a:off x="861062" y="6091190"/>
+            <a:off x="805882" y="5783090"/>
             <a:ext cx="15840029" cy="4895962"/>
           </a:xfrm>
           <a:prstGeom prst="roundRect">
@@ -3221,7 +3221,7 @@
         </p:nvSpPr>
         <p:spPr>
           <a:xfrm>
-            <a:off x="3386588" y="5510886"/>
+            <a:off x="2187604" y="5263653"/>
             <a:ext cx="12801600" cy="769441"/>
           </a:xfrm>
           <a:prstGeom prst="rect">
@@ -3315,7 +3315,7 @@
         </p:nvSpPr>
         <p:spPr>
           <a:xfrm>
-            <a:off x="2952358" y="11279196"/>
+            <a:off x="2380276" y="11252125"/>
             <a:ext cx="12801600" cy="769441"/>
           </a:xfrm>
           <a:prstGeom prst="rect">
@@ -3358,8 +3358,8 @@
         </p:nvSpPr>
         <p:spPr>
           <a:xfrm>
-            <a:off x="16983437" y="5775406"/>
-            <a:ext cx="26553644" cy="19986734"/>
+            <a:off x="16983437" y="5775405"/>
+            <a:ext cx="26376648" cy="20273967"/>
           </a:xfrm>
           <a:prstGeom prst="roundRect">
             <a:avLst>
@@ -3409,8 +3409,8 @@
         </p:nvSpPr>
         <p:spPr>
           <a:xfrm>
-            <a:off x="24361730" y="5301384"/>
-            <a:ext cx="15899880" cy="769441"/>
+            <a:off x="23859459" y="5327348"/>
+            <a:ext cx="12801600" cy="769441"/>
           </a:xfrm>
           <a:prstGeom prst="rect">
             <a:avLst/>
@@ -3452,8 +3452,8 @@
         </p:nvSpPr>
         <p:spPr>
           <a:xfrm>
-            <a:off x="17004081" y="26560369"/>
-            <a:ext cx="26356004" cy="5193868"/>
+            <a:off x="17004081" y="27028819"/>
+            <a:ext cx="26356004" cy="4725417"/>
           </a:xfrm>
           <a:prstGeom prst="roundRect">
             <a:avLst>
@@ -3503,8 +3503,8 @@
         </p:nvSpPr>
         <p:spPr>
           <a:xfrm>
-            <a:off x="21956706" y="26146801"/>
-            <a:ext cx="15899880" cy="769441"/>
+            <a:off x="23781283" y="26437173"/>
+            <a:ext cx="12801600" cy="769441"/>
           </a:xfrm>
           <a:prstGeom prst="rect">
             <a:avLst/>
@@ -3526,8 +3526,12 @@
           <a:p>
             <a:pPr algn="ctr"/>
             <a:r>
+              <a:rPr lang="en-US" sz="4400" dirty="0" smtClean="0"/>
+              <a:t>Future </a:t>
+            </a:r>
+            <a:r>
               <a:rPr lang="en-US" sz="4400" dirty="0"/>
-              <a:t>Future Work</a:t>
+              <a:t>Work</a:t>
             </a:r>
           </a:p>
         </p:txBody>
@@ -3546,7 +3550,7 @@
         </p:nvSpPr>
         <p:spPr>
           <a:xfrm>
-            <a:off x="2401023" y="23246251"/>
+            <a:off x="2304350" y="23288461"/>
             <a:ext cx="12801600" cy="769441"/>
           </a:xfrm>
           <a:prstGeom prst="rect">
@@ -3589,7 +3593,7 @@
         </p:nvSpPr>
         <p:spPr>
           <a:xfrm flipH="1">
-            <a:off x="10778164" y="7491940"/>
+            <a:off x="10778164" y="7213048"/>
             <a:ext cx="5764788" cy="3334423"/>
           </a:xfrm>
           <a:prstGeom prst="rtTriangle">
@@ -3726,7 +3730,7 @@
         </p:blipFill>
         <p:spPr>
           <a:xfrm rot="20041000">
-            <a:off x="11456432" y="7398327"/>
+            <a:off x="11955444" y="7119656"/>
             <a:ext cx="4919666" cy="2618657"/>
           </a:xfrm>
           <a:prstGeom prst="rect">
@@ -3748,8 +3752,8 @@
         </p:nvSpPr>
         <p:spPr>
           <a:xfrm>
-            <a:off x="1129305" y="6836679"/>
-            <a:ext cx="9998385" cy="3416320"/>
+            <a:off x="950891" y="6144404"/>
+            <a:ext cx="10899759" cy="4524315"/>
           </a:xfrm>
           <a:prstGeom prst="rect">
             <a:avLst/>
@@ -3764,8 +3768,21 @@
           <a:p>
             <a:r>
               <a:rPr lang="en-US" sz="3600" dirty="0"/>
-              <a:t>Driving up and down hills is a source of stress for batteries in electrified vehicles.  This software uses geographic information systems (GIS) data to determine the elevation profiles for King County Metro bus routes and ranks the difficulty based on road grade.</a:t>
-            </a:r>
+              <a:t>Driving up and down hills is a source of stress for batteries in electrified </a:t>
+            </a:r>
+            <a:r>
+              <a:rPr lang="en-US" sz="3600" dirty="0" smtClean="0"/>
+              <a:t>vehicles due to high charge/discharge rates.  </a:t>
+            </a:r>
+            <a:r>
+              <a:rPr lang="en-US" sz="3600" dirty="0"/>
+              <a:t>This software uses geographic information systems (GIS) data to determine the elevation profiles for King County Metro bus routes and ranks the difficulty based on road grade</a:t>
+            </a:r>
+            <a:r>
+              <a:rPr lang="en-US" sz="3600" dirty="0" smtClean="0"/>
+              <a:t>. This package can also be used as a component for a predictive battery degradation model.</a:t>
+            </a:r>
+            <a:endParaRPr lang="en-US" sz="3600" dirty="0"/>
           </a:p>
         </p:txBody>
       </p:sp>
@@ -3783,7 +3800,7 @@
         </p:nvSpPr>
         <p:spPr>
           <a:xfrm>
-            <a:off x="17370250" y="27181418"/>
+            <a:off x="17221549" y="27387916"/>
             <a:ext cx="18530560" cy="3416320"/>
           </a:xfrm>
           <a:prstGeom prst="rect">
@@ -3802,8 +3819,12 @@
               <a:buChar char="•"/>
             </a:pPr>
             <a:r>
+              <a:rPr lang="en-US" sz="3600" dirty="0" smtClean="0"/>
+              <a:t>Add </a:t>
+            </a:r>
+            <a:r>
               <a:rPr lang="en-US" sz="3600" dirty="0"/>
-              <a:t>Add more points (e.g. interpolation) for higher resolution along the route for a smoother elevation profile and more accurate ranking metric</a:t>
+              <a:t>more points (e.g. interpolation) for higher resolution along the route for a smoother elevation profile and more accurate ranking metric</a:t>
             </a:r>
           </a:p>
           <a:p>
@@ -3955,7 +3976,7 @@
         </p:blipFill>
         <p:spPr bwMode="auto">
           <a:xfrm>
-            <a:off x="5238645" y="23934665"/>
+            <a:off x="5925698" y="24079106"/>
             <a:ext cx="2171417" cy="2171417"/>
           </a:xfrm>
           <a:prstGeom prst="rect">
@@ -4082,7 +4103,7 @@
         </p:blipFill>
         <p:spPr bwMode="auto">
           <a:xfrm>
-            <a:off x="17342965" y="12363890"/>
+            <a:off x="17282256" y="11365607"/>
             <a:ext cx="10784255" cy="4458233"/>
           </a:xfrm>
           <a:prstGeom prst="rect">
@@ -4100,8 +4121,8 @@
           </a:extLst>
         </p:spPr>
       </p:pic>
-      <mc:AlternateContent xmlns:mc="http://schemas.openxmlformats.org/markup-compatibility/2006" xmlns:a14="http://schemas.microsoft.com/office/drawing/2010/main">
-        <mc:Choice Requires="a14">
+      <mc:AlternateContent xmlns:mc="http://schemas.openxmlformats.org/markup-compatibility/2006">
+        <mc:Choice xmlns:a14="http://schemas.microsoft.com/office/drawing/2010/main" Requires="a14">
           <p:sp>
             <p:nvSpPr>
               <p:cNvPr id="30" name="TextBox 29"/>
@@ -4110,8 +4131,8 @@
             </p:nvSpPr>
             <p:spPr>
               <a:xfrm>
-                <a:off x="17476904" y="21910654"/>
-                <a:ext cx="10318080" cy="3509679"/>
+                <a:off x="17100183" y="22480556"/>
+                <a:ext cx="12422169" cy="3509679"/>
               </a:xfrm>
               <a:prstGeom prst="rect">
                 <a:avLst/>
@@ -4519,7 +4540,7 @@
             </p:txBody>
           </p:sp>
         </mc:Choice>
-        <mc:Fallback xmlns="">
+        <mc:Fallback>
           <p:sp>
             <p:nvSpPr>
               <p:cNvPr id="30" name="TextBox 29"/>
@@ -4530,8 +4551,8 @@
             </p:nvSpPr>
             <p:spPr>
               <a:xfrm>
-                <a:off x="17476904" y="21910654"/>
-                <a:ext cx="10318080" cy="3509679"/>
+                <a:off x="17100183" y="22480556"/>
+                <a:ext cx="12422169" cy="3509679"/>
               </a:xfrm>
               <a:prstGeom prst="rect">
                 <a:avLst/>
@@ -4539,7 +4560,7 @@
               <a:blipFill>
                 <a:blip r:embed="rId9"/>
                 <a:stretch>
-                  <a:fillRect l="-1536" t="-2257"/>
+                  <a:fillRect l="-1227" t="-2261"/>
                 </a:stretch>
               </a:blipFill>
             </p:spPr>
@@ -6558,7 +6579,7 @@
         </p:nvSpPr>
         <p:spPr>
           <a:xfrm>
-            <a:off x="4827511" y="27056061"/>
+            <a:off x="5048734" y="27109294"/>
             <a:ext cx="1693517" cy="1545221"/>
           </a:xfrm>
           <a:prstGeom prst="rightArrow">
@@ -6695,6 +6716,17 @@
         <p:blipFill>
           <a:blip r:embed="rId11">
             <a:extLst>
+              <a:ext uri="{BEBA8EAE-BF5A-486C-A8C5-ECC9F3942E4B}">
+                <a14:imgProps xmlns:a14="http://schemas.microsoft.com/office/drawing/2010/main">
+                  <a14:imgLayer r:embed="rId12">
+                    <a14:imgEffect>
+                      <a14:backgroundRemoval t="0" b="100000" l="1600" r="100000">
+                        <a14:foregroundMark x1="32200" y1="2607" x2="74200" y2="10736"/>
+                      </a14:backgroundRemoval>
+                    </a14:imgEffect>
+                  </a14:imgLayer>
+                </a14:imgProps>
+              </a:ext>
               <a:ext uri="{28A0092B-C50C-407E-A947-70E740481C1C}">
                 <a14:useLocalDpi xmlns:a14="http://schemas.microsoft.com/office/drawing/2010/main" val="0"/>
               </a:ext>
@@ -6729,7 +6761,7 @@
           <p:nvPr/>
         </p:nvPicPr>
         <p:blipFill>
-          <a:blip r:embed="rId12">
+          <a:blip r:embed="rId13">
             <a:extLst>
               <a:ext uri="{28A0092B-C50C-407E-A947-70E740481C1C}">
                 <a14:useLocalDpi xmlns:a14="http://schemas.microsoft.com/office/drawing/2010/main" val="0"/>
@@ -6767,147 +6799,6 @@
             <a:extLst>
               <a:ext uri="{FF2B5EF4-FFF2-40B4-BE49-F238E27FC236}">
                 <a16:creationId xmlns:a16="http://schemas.microsoft.com/office/drawing/2014/main" id="{0C331A79-91C5-4EE5-B682-7D0CD2BDCD44}"/>
-              </a:ext>
-            </a:extLst>
-          </p:cNvPr>
-          <p:cNvPicPr>
-            <a:picLocks noChangeAspect="1"/>
-          </p:cNvPicPr>
-          <p:nvPr/>
-        </p:nvPicPr>
-        <p:blipFill>
-          <a:blip r:embed="rId13">
-            <a:extLst>
-              <a:ext uri="{28A0092B-C50C-407E-A947-70E740481C1C}">
-                <a14:useLocalDpi xmlns:a14="http://schemas.microsoft.com/office/drawing/2010/main" val="0"/>
-              </a:ext>
-            </a:extLst>
-          </a:blip>
-          <a:stretch>
-            <a:fillRect/>
-          </a:stretch>
-        </p:blipFill>
-        <p:spPr>
-          <a:xfrm>
-            <a:off x="31958281" y="7372451"/>
-            <a:ext cx="11378842" cy="11501049"/>
-          </a:xfrm>
-          <a:prstGeom prst="rect">
-            <a:avLst/>
-          </a:prstGeom>
-        </p:spPr>
-      </p:pic>
-      <p:sp>
-        <p:nvSpPr>
-          <p:cNvPr id="47" name="TextBox 46">
-            <a:extLst>
-              <a:ext uri="{FF2B5EF4-FFF2-40B4-BE49-F238E27FC236}">
-                <a16:creationId xmlns:a16="http://schemas.microsoft.com/office/drawing/2014/main" id="{C8774F6E-0066-4042-B19E-770531E40998}"/>
-              </a:ext>
-            </a:extLst>
-          </p:cNvPr>
-          <p:cNvSpPr txBox="1"/>
-          <p:nvPr/>
-        </p:nvSpPr>
-        <p:spPr>
-          <a:xfrm>
-            <a:off x="35750886" y="6615665"/>
-            <a:ext cx="4936528" cy="707886"/>
-          </a:xfrm>
-          <a:prstGeom prst="rect">
-            <a:avLst/>
-          </a:prstGeom>
-          <a:noFill/>
-        </p:spPr>
-        <p:txBody>
-          <a:bodyPr wrap="square" rtlCol="0">
-            <a:spAutoFit/>
-          </a:bodyPr>
-          <a:lstStyle/>
-          <a:p>
-            <a:r>
-              <a:rPr lang="en-US" sz="4000" b="1" dirty="0"/>
-              <a:t>Visualization Output</a:t>
-            </a:r>
-          </a:p>
-        </p:txBody>
-      </p:sp>
-      <p:sp>
-        <p:nvSpPr>
-          <p:cNvPr id="94" name="TextBox 93">
-            <a:extLst>
-              <a:ext uri="{FF2B5EF4-FFF2-40B4-BE49-F238E27FC236}">
-                <a16:creationId xmlns:a16="http://schemas.microsoft.com/office/drawing/2014/main" id="{48A25FFE-BDAD-405E-8E3E-505DCEC1B05C}"/>
-              </a:ext>
-            </a:extLst>
-          </p:cNvPr>
-          <p:cNvSpPr txBox="1"/>
-          <p:nvPr/>
-        </p:nvSpPr>
-        <p:spPr>
-          <a:xfrm>
-            <a:off x="20167680" y="6794908"/>
-            <a:ext cx="4936528" cy="707886"/>
-          </a:xfrm>
-          <a:prstGeom prst="rect">
-            <a:avLst/>
-          </a:prstGeom>
-          <a:noFill/>
-        </p:spPr>
-        <p:txBody>
-          <a:bodyPr wrap="square" rtlCol="0">
-            <a:spAutoFit/>
-          </a:bodyPr>
-          <a:lstStyle/>
-          <a:p>
-            <a:r>
-              <a:rPr lang="en-US" sz="4000" b="1" dirty="0"/>
-              <a:t>Data Analysis Output</a:t>
-            </a:r>
-          </a:p>
-        </p:txBody>
-      </p:sp>
-      <p:sp>
-        <p:nvSpPr>
-          <p:cNvPr id="95" name="TextBox 94">
-            <a:extLst>
-              <a:ext uri="{FF2B5EF4-FFF2-40B4-BE49-F238E27FC236}">
-                <a16:creationId xmlns:a16="http://schemas.microsoft.com/office/drawing/2014/main" id="{8164D4E8-C392-4301-BCED-B22916FBDFEC}"/>
-              </a:ext>
-            </a:extLst>
-          </p:cNvPr>
-          <p:cNvSpPr txBox="1"/>
-          <p:nvPr/>
-        </p:nvSpPr>
-        <p:spPr>
-          <a:xfrm>
-            <a:off x="34548814" y="19043721"/>
-            <a:ext cx="4936528" cy="707886"/>
-          </a:xfrm>
-          <a:prstGeom prst="rect">
-            <a:avLst/>
-          </a:prstGeom>
-          <a:noFill/>
-        </p:spPr>
-        <p:txBody>
-          <a:bodyPr wrap="square" rtlCol="0">
-            <a:spAutoFit/>
-          </a:bodyPr>
-          <a:lstStyle/>
-          <a:p>
-            <a:r>
-              <a:rPr lang="en-US" sz="4000" b="1" dirty="0"/>
-              <a:t>Route Ranking</a:t>
-            </a:r>
-          </a:p>
-        </p:txBody>
-      </p:sp>
-      <p:pic>
-        <p:nvPicPr>
-          <p:cNvPr id="53" name="Picture 52">
-            <a:extLst>
-              <a:ext uri="{FF2B5EF4-FFF2-40B4-BE49-F238E27FC236}">
-                <a16:creationId xmlns:a16="http://schemas.microsoft.com/office/drawing/2014/main" id="{B692ED49-FF59-4667-9F96-801C181B84DF}"/>
               </a:ext>
             </a:extLst>
           </p:cNvPr>
@@ -6930,20 +6821,126 @@
         </p:blipFill>
         <p:spPr>
           <a:xfrm>
-            <a:off x="11024686" y="26108414"/>
-            <a:ext cx="5518266" cy="4414613"/>
+            <a:off x="31715000" y="6794908"/>
+            <a:ext cx="11536535" cy="11501049"/>
           </a:xfrm>
           <a:prstGeom prst="rect">
             <a:avLst/>
           </a:prstGeom>
         </p:spPr>
       </p:pic>
+      <p:sp>
+        <p:nvSpPr>
+          <p:cNvPr id="47" name="TextBox 46">
+            <a:extLst>
+              <a:ext uri="{FF2B5EF4-FFF2-40B4-BE49-F238E27FC236}">
+                <a16:creationId xmlns:a16="http://schemas.microsoft.com/office/drawing/2014/main" id="{C8774F6E-0066-4042-B19E-770531E40998}"/>
+              </a:ext>
+            </a:extLst>
+          </p:cNvPr>
+          <p:cNvSpPr txBox="1"/>
+          <p:nvPr/>
+        </p:nvSpPr>
+        <p:spPr>
+          <a:xfrm>
+            <a:off x="35736072" y="6109279"/>
+            <a:ext cx="4936528" cy="707886"/>
+          </a:xfrm>
+          <a:prstGeom prst="rect">
+            <a:avLst/>
+          </a:prstGeom>
+          <a:noFill/>
+        </p:spPr>
+        <p:txBody>
+          <a:bodyPr wrap="square" rtlCol="0">
+            <a:spAutoFit/>
+          </a:bodyPr>
+          <a:lstStyle/>
+          <a:p>
+            <a:r>
+              <a:rPr lang="en-US" sz="4000" b="1" dirty="0"/>
+              <a:t>Visualization Output</a:t>
+            </a:r>
+          </a:p>
+        </p:txBody>
+      </p:sp>
+      <p:sp>
+        <p:nvSpPr>
+          <p:cNvPr id="94" name="TextBox 93">
+            <a:extLst>
+              <a:ext uri="{FF2B5EF4-FFF2-40B4-BE49-F238E27FC236}">
+                <a16:creationId xmlns:a16="http://schemas.microsoft.com/office/drawing/2014/main" id="{48A25FFE-BDAD-405E-8E3E-505DCEC1B05C}"/>
+              </a:ext>
+            </a:extLst>
+          </p:cNvPr>
+          <p:cNvSpPr txBox="1"/>
+          <p:nvPr/>
+        </p:nvSpPr>
+        <p:spPr>
+          <a:xfrm>
+            <a:off x="20206120" y="6149561"/>
+            <a:ext cx="4936528" cy="707886"/>
+          </a:xfrm>
+          <a:prstGeom prst="rect">
+            <a:avLst/>
+          </a:prstGeom>
+          <a:noFill/>
+        </p:spPr>
+        <p:txBody>
+          <a:bodyPr wrap="square" rtlCol="0">
+            <a:spAutoFit/>
+          </a:bodyPr>
+          <a:lstStyle/>
+          <a:p>
+            <a:r>
+              <a:rPr lang="en-US" sz="4000" b="1" dirty="0"/>
+              <a:t>Data Analysis Output</a:t>
+            </a:r>
+          </a:p>
+        </p:txBody>
+      </p:sp>
+      <p:sp>
+        <p:nvSpPr>
+          <p:cNvPr id="95" name="TextBox 94">
+            <a:extLst>
+              <a:ext uri="{FF2B5EF4-FFF2-40B4-BE49-F238E27FC236}">
+                <a16:creationId xmlns:a16="http://schemas.microsoft.com/office/drawing/2014/main" id="{8164D4E8-C392-4301-BCED-B22916FBDFEC}"/>
+              </a:ext>
+            </a:extLst>
+          </p:cNvPr>
+          <p:cNvSpPr txBox="1"/>
+          <p:nvPr/>
+        </p:nvSpPr>
+        <p:spPr>
+          <a:xfrm>
+            <a:off x="34673613" y="20030105"/>
+            <a:ext cx="3334114" cy="707886"/>
+          </a:xfrm>
+          <a:prstGeom prst="rect">
+            <a:avLst/>
+          </a:prstGeom>
+          <a:noFill/>
+        </p:spPr>
+        <p:txBody>
+          <a:bodyPr wrap="square" rtlCol="0">
+            <a:spAutoFit/>
+          </a:bodyPr>
+          <a:lstStyle/>
+          <a:p>
+            <a:pPr algn="ctr"/>
+            <a:r>
+              <a:rPr lang="en-US" sz="4000" b="1" dirty="0"/>
+              <a:t>Route Ranking</a:t>
+            </a:r>
+          </a:p>
+        </p:txBody>
+      </p:sp>
       <p:pic>
         <p:nvPicPr>
-          <p:cNvPr id="57" name="Picture 56">
+          <p:cNvPr id="53" name="Picture 52">
             <a:extLst>
               <a:ext uri="{FF2B5EF4-FFF2-40B4-BE49-F238E27FC236}">
-                <a16:creationId xmlns:a16="http://schemas.microsoft.com/office/drawing/2014/main" id="{3050354B-7582-48DA-8FE1-B15BD28E2AD7}"/>
+                <a16:creationId xmlns:a16="http://schemas.microsoft.com/office/drawing/2014/main" id="{B692ED49-FF59-4667-9F96-801C181B84DF}"/>
               </a:ext>
             </a:extLst>
           </p:cNvPr>
@@ -6966,8 +6963,8 @@
         </p:blipFill>
         <p:spPr>
           <a:xfrm>
-            <a:off x="17348255" y="7529410"/>
-            <a:ext cx="10784255" cy="4455388"/>
+            <a:off x="11024686" y="26108414"/>
+            <a:ext cx="5518266" cy="4414613"/>
           </a:xfrm>
           <a:prstGeom prst="rect">
             <a:avLst/>
@@ -6976,10 +6973,10 @@
       </p:pic>
       <p:pic>
         <p:nvPicPr>
-          <p:cNvPr id="59" name="Picture 58">
+          <p:cNvPr id="57" name="Picture 56">
             <a:extLst>
               <a:ext uri="{FF2B5EF4-FFF2-40B4-BE49-F238E27FC236}">
-                <a16:creationId xmlns:a16="http://schemas.microsoft.com/office/drawing/2014/main" id="{35B066BC-D687-45D0-AD8F-BD345495F22C}"/>
+                <a16:creationId xmlns:a16="http://schemas.microsoft.com/office/drawing/2014/main" id="{3050354B-7582-48DA-8FE1-B15BD28E2AD7}"/>
               </a:ext>
             </a:extLst>
           </p:cNvPr>
@@ -7002,7 +6999,43 @@
         </p:blipFill>
         <p:spPr>
           <a:xfrm>
-            <a:off x="17221549" y="17003580"/>
+            <a:off x="17305545" y="6910219"/>
+            <a:ext cx="10784255" cy="4455388"/>
+          </a:xfrm>
+          <a:prstGeom prst="rect">
+            <a:avLst/>
+          </a:prstGeom>
+        </p:spPr>
+      </p:pic>
+      <p:pic>
+        <p:nvPicPr>
+          <p:cNvPr id="59" name="Picture 58">
+            <a:extLst>
+              <a:ext uri="{FF2B5EF4-FFF2-40B4-BE49-F238E27FC236}">
+                <a16:creationId xmlns:a16="http://schemas.microsoft.com/office/drawing/2014/main" id="{35B066BC-D687-45D0-AD8F-BD345495F22C}"/>
+              </a:ext>
+            </a:extLst>
+          </p:cNvPr>
+          <p:cNvPicPr>
+            <a:picLocks noChangeAspect="1"/>
+          </p:cNvPicPr>
+          <p:nvPr/>
+        </p:nvPicPr>
+        <p:blipFill>
+          <a:blip r:embed="rId17">
+            <a:extLst>
+              <a:ext uri="{28A0092B-C50C-407E-A947-70E740481C1C}">
+                <a14:useLocalDpi xmlns:a14="http://schemas.microsoft.com/office/drawing/2010/main" val="0"/>
+              </a:ext>
+            </a:extLst>
+          </a:blip>
+          <a:stretch>
+            <a:fillRect/>
+          </a:stretch>
+        </p:blipFill>
+        <p:spPr>
+          <a:xfrm>
+            <a:off x="17200104" y="15822720"/>
             <a:ext cx="10905671" cy="4522413"/>
           </a:xfrm>
           <a:prstGeom prst="rect">
@@ -7024,7 +7057,7 @@
         </p:nvSpPr>
         <p:spPr>
           <a:xfrm>
-            <a:off x="28305696" y="8623697"/>
+            <a:off x="28192737" y="8285150"/>
             <a:ext cx="1312927" cy="1388801"/>
           </a:xfrm>
           <a:prstGeom prst="rect">
@@ -7078,7 +7111,7 @@
         </p:nvSpPr>
         <p:spPr>
           <a:xfrm>
-            <a:off x="28274006" y="13459947"/>
+            <a:off x="28152875" y="12906459"/>
             <a:ext cx="1312927" cy="1294422"/>
           </a:xfrm>
           <a:prstGeom prst="ellipse">
@@ -7132,7 +7165,7 @@
         </p:nvSpPr>
         <p:spPr>
           <a:xfrm>
-            <a:off x="28171862" y="17842358"/>
+            <a:off x="28203550" y="17094843"/>
             <a:ext cx="1517217" cy="1294422"/>
           </a:xfrm>
           <a:prstGeom prst="triangle">
@@ -7189,7 +7222,7 @@
         </p:nvSpPr>
         <p:spPr>
           <a:xfrm>
-            <a:off x="33842140" y="10524672"/>
+            <a:off x="33788572" y="9855973"/>
             <a:ext cx="706674" cy="603381"/>
           </a:xfrm>
           <a:prstGeom prst="ellipse">
@@ -7243,7 +7276,7 @@
         </p:nvSpPr>
         <p:spPr>
           <a:xfrm>
-            <a:off x="37710459" y="10013197"/>
+            <a:off x="37567457" y="9318045"/>
             <a:ext cx="493877" cy="479603"/>
           </a:xfrm>
           <a:prstGeom prst="rect">
@@ -7297,7 +7330,7 @@
         </p:nvSpPr>
         <p:spPr>
           <a:xfrm>
-            <a:off x="40194019" y="13765470"/>
+            <a:off x="40122498" y="13257734"/>
             <a:ext cx="986790" cy="603381"/>
           </a:xfrm>
           <a:prstGeom prst="triangle">
@@ -7356,7 +7389,7 @@
         </p:nvSpPr>
         <p:spPr>
           <a:xfrm>
-            <a:off x="39434510" y="14090341"/>
+            <a:off x="39073278" y="13332404"/>
             <a:ext cx="706674" cy="603381"/>
           </a:xfrm>
           <a:prstGeom prst="ellipse">
@@ -7410,7 +7443,7 @@
         </p:nvSpPr>
         <p:spPr>
           <a:xfrm>
-            <a:off x="38579883" y="9688882"/>
+            <a:off x="38633134" y="8914614"/>
             <a:ext cx="986790" cy="603381"/>
           </a:xfrm>
           <a:prstGeom prst="triangle">
@@ -7469,7 +7502,7 @@
         </p:nvSpPr>
         <p:spPr>
           <a:xfrm>
-            <a:off x="38940633" y="18098366"/>
+            <a:off x="36989390" y="17604323"/>
             <a:ext cx="493877" cy="479603"/>
           </a:xfrm>
           <a:prstGeom prst="rect">
@@ -7523,7 +7556,7 @@
         </p:nvSpPr>
         <p:spPr>
           <a:xfrm>
-            <a:off x="32953984" y="7542387"/>
+            <a:off x="32554631" y="6910219"/>
             <a:ext cx="1776311" cy="461665"/>
           </a:xfrm>
           <a:prstGeom prst="rect">
@@ -7611,7 +7644,7 @@
               <a:t>References:	</a:t>
             </a:r>
             <a:r>
-              <a:rPr lang="en-US" dirty="0"/>
+              <a:rPr lang="en-US" sz="2400" dirty="0"/>
               <a:t>[1] King County GIS Data Portal. (2017, April), [2] WA Department of Natural Resources, Lidar Portal. (2016)</a:t>
             </a:r>
           </a:p>
@@ -7632,7 +7665,7 @@
           <p:nvPr/>
         </p:nvPicPr>
         <p:blipFill rotWithShape="1">
-          <a:blip r:embed="rId17">
+          <a:blip r:embed="rId18">
             <a:extLst>
               <a:ext uri="{28A0092B-C50C-407E-A947-70E740481C1C}">
                 <a14:useLocalDpi xmlns:a14="http://schemas.microsoft.com/office/drawing/2010/main" val="0"/>
@@ -7674,21 +7707,198 @@
           <p:nvPr/>
         </p:nvPicPr>
         <p:blipFill>
-          <a:blip r:embed="rId18"/>
+          <a:blip r:embed="rId19"/>
           <a:stretch>
             <a:fillRect/>
           </a:stretch>
         </p:blipFill>
         <p:spPr>
           <a:xfrm>
-            <a:off x="29521619" y="20190311"/>
-            <a:ext cx="14019338" cy="5390844"/>
+            <a:off x="29465801" y="20641260"/>
+            <a:ext cx="13749739" cy="5287175"/>
           </a:xfrm>
           <a:prstGeom prst="rect">
             <a:avLst/>
           </a:prstGeom>
         </p:spPr>
       </p:pic>
+      <p:sp>
+        <p:nvSpPr>
+          <p:cNvPr id="2" name="TextBox 1"/>
+          <p:cNvSpPr txBox="1"/>
+          <p:nvPr/>
+        </p:nvSpPr>
+        <p:spPr>
+          <a:xfrm>
+            <a:off x="17207267" y="20376636"/>
+            <a:ext cx="12555938" cy="2062103"/>
+          </a:xfrm>
+          <a:prstGeom prst="rect">
+            <a:avLst/>
+          </a:prstGeom>
+          <a:ln>
+            <a:noFill/>
+          </a:ln>
+        </p:spPr>
+        <p:style>
+          <a:lnRef idx="2">
+            <a:schemeClr val="accent1"/>
+          </a:lnRef>
+          <a:fillRef idx="1">
+            <a:schemeClr val="lt1"/>
+          </a:fillRef>
+          <a:effectRef idx="0">
+            <a:schemeClr val="accent1"/>
+          </a:effectRef>
+          <a:fontRef idx="minor">
+            <a:schemeClr val="dk1"/>
+          </a:fontRef>
+        </p:style>
+        <p:txBody>
+          <a:bodyPr wrap="square" rtlCol="0">
+            <a:spAutoFit/>
+          </a:bodyPr>
+          <a:lstStyle/>
+          <a:p>
+            <a:r>
+              <a:rPr lang="en-US" sz="3200" dirty="0" smtClean="0"/>
+              <a:t>Above: The package produces </a:t>
+            </a:r>
+            <a:r>
+              <a:rPr lang="en-US" sz="3200" b="1" dirty="0" smtClean="0">
+                <a:solidFill>
+                  <a:srgbClr val="0000FF"/>
+                </a:solidFill>
+              </a:rPr>
+              <a:t>elevation profiles </a:t>
+            </a:r>
+            <a:r>
+              <a:rPr lang="en-US" sz="3200" dirty="0" smtClean="0"/>
+              <a:t>and the </a:t>
+            </a:r>
+            <a:r>
+              <a:rPr lang="en-US" sz="3200" dirty="0" smtClean="0">
+                <a:solidFill>
+                  <a:schemeClr val="tx1"/>
+                </a:solidFill>
+              </a:rPr>
+              <a:t>absolute</a:t>
+            </a:r>
+            <a:r>
+              <a:rPr lang="en-US" sz="3200" b="1" dirty="0" smtClean="0">
+                <a:solidFill>
+                  <a:srgbClr val="FF0000"/>
+                </a:solidFill>
+              </a:rPr>
+              <a:t> road grade profiles</a:t>
+            </a:r>
+            <a:r>
+              <a:rPr lang="en-US" sz="3200" dirty="0" smtClean="0">
+                <a:solidFill>
+                  <a:schemeClr val="tx1"/>
+                </a:solidFill>
+              </a:rPr>
+              <a:t> for each route that is called. </a:t>
+            </a:r>
+          </a:p>
+          <a:p>
+            <a:r>
+              <a:rPr lang="en-US" sz="3200" dirty="0" smtClean="0">
+                <a:solidFill>
+                  <a:schemeClr val="tx1"/>
+                </a:solidFill>
+              </a:rPr>
+              <a:t>Right: The package experiments with various metrics to rank route difficulty for the bus batteries.</a:t>
+            </a:r>
+            <a:endParaRPr lang="en-US" sz="3200" dirty="0">
+              <a:solidFill>
+                <a:srgbClr val="FF0000"/>
+              </a:solidFill>
+            </a:endParaRPr>
+          </a:p>
+        </p:txBody>
+      </p:sp>
+      <p:sp>
+        <p:nvSpPr>
+          <p:cNvPr id="91" name="TextBox 90"/>
+          <p:cNvSpPr txBox="1"/>
+          <p:nvPr/>
+        </p:nvSpPr>
+        <p:spPr>
+          <a:xfrm>
+            <a:off x="31618989" y="18434736"/>
+            <a:ext cx="11741096" cy="1077218"/>
+          </a:xfrm>
+          <a:prstGeom prst="rect">
+            <a:avLst/>
+          </a:prstGeom>
+          <a:ln>
+            <a:noFill/>
+          </a:ln>
+        </p:spPr>
+        <p:style>
+          <a:lnRef idx="2">
+            <a:schemeClr val="accent1"/>
+          </a:lnRef>
+          <a:fillRef idx="1">
+            <a:schemeClr val="lt1"/>
+          </a:fillRef>
+          <a:effectRef idx="0">
+            <a:schemeClr val="accent1"/>
+          </a:effectRef>
+          <a:fontRef idx="minor">
+            <a:schemeClr val="dk1"/>
+          </a:fontRef>
+        </p:style>
+        <p:txBody>
+          <a:bodyPr wrap="square" rtlCol="0">
+            <a:spAutoFit/>
+          </a:bodyPr>
+          <a:lstStyle/>
+          <a:p>
+            <a:r>
+              <a:rPr lang="en-US" sz="3200" dirty="0" smtClean="0"/>
+              <a:t>Above: The package produces a map, either within a notebook or saved as an HTML file, that shows the selected routes and road grade. </a:t>
+            </a:r>
+            <a:endParaRPr lang="en-US" sz="3200" b="1" dirty="0">
+              <a:solidFill>
+                <a:srgbClr val="FF0000"/>
+              </a:solidFill>
+            </a:endParaRPr>
+          </a:p>
+        </p:txBody>
+      </p:sp>
+      <p:cxnSp>
+        <p:nvCxnSpPr>
+          <p:cNvPr id="19" name="Straight Connector 18"/>
+          <p:cNvCxnSpPr/>
+          <p:nvPr/>
+        </p:nvCxnSpPr>
+        <p:spPr>
+          <a:xfrm>
+            <a:off x="17221549" y="22492432"/>
+            <a:ext cx="12244252" cy="1552"/>
+          </a:xfrm>
+          <a:prstGeom prst="line">
+            <a:avLst/>
+          </a:prstGeom>
+          <a:ln w="76200"/>
+        </p:spPr>
+        <p:style>
+          <a:lnRef idx="1">
+            <a:schemeClr val="dk1"/>
+          </a:lnRef>
+          <a:fillRef idx="0">
+            <a:schemeClr val="dk1"/>
+          </a:fillRef>
+          <a:effectRef idx="0">
+            <a:schemeClr val="dk1"/>
+          </a:effectRef>
+          <a:fontRef idx="minor">
+            <a:schemeClr val="tx1"/>
+          </a:fontRef>
+        </p:style>
+      </p:cxnSp>
     </p:spTree>
     <p:extLst>
       <p:ext uri="{BB962C8B-B14F-4D97-AF65-F5344CB8AC3E}">

--- a/project/DIRECT_Poster.pptx
+++ b/project/DIRECT_Poster.pptx
@@ -3244,9 +3244,10 @@
           <a:p>
             <a:pPr algn="ctr"/>
             <a:r>
-              <a:rPr lang="en-US" sz="4400" dirty="0"/>
-              <a:t>Objective</a:t>
-            </a:r>
+              <a:rPr lang="en-US" sz="4400" dirty="0" smtClean="0"/>
+              <a:t>Purpose</a:t>
+            </a:r>
+            <a:endParaRPr lang="en-US" sz="4400" dirty="0"/>
           </a:p>
         </p:txBody>
       </p:sp>
@@ -4121,8 +4122,8 @@
           </a:extLst>
         </p:spPr>
       </p:pic>
-      <mc:AlternateContent xmlns:mc="http://schemas.openxmlformats.org/markup-compatibility/2006">
-        <mc:Choice xmlns:a14="http://schemas.microsoft.com/office/drawing/2010/main" Requires="a14">
+      <mc:AlternateContent xmlns:mc="http://schemas.openxmlformats.org/markup-compatibility/2006" xmlns:a14="http://schemas.microsoft.com/office/drawing/2010/main">
+        <mc:Choice Requires="a14">
           <p:sp>
             <p:nvSpPr>
               <p:cNvPr id="30" name="TextBox 29"/>
@@ -4540,7 +4541,7 @@
             </p:txBody>
           </p:sp>
         </mc:Choice>
-        <mc:Fallback>
+        <mc:Fallback xmlns="">
           <p:sp>
             <p:nvSpPr>
               <p:cNvPr id="30" name="TextBox 29"/>
@@ -6821,8 +6822,8 @@
         </p:blipFill>
         <p:spPr>
           <a:xfrm>
-            <a:off x="31715000" y="6794908"/>
-            <a:ext cx="11536535" cy="11501049"/>
+            <a:off x="31072528" y="6794908"/>
+            <a:ext cx="12179008" cy="12141546"/>
           </a:xfrm>
           <a:prstGeom prst="rect">
             <a:avLst/>
@@ -7222,7 +7223,7 @@
         </p:nvSpPr>
         <p:spPr>
           <a:xfrm>
-            <a:off x="33788572" y="9855973"/>
+            <a:off x="33226597" y="10113060"/>
             <a:ext cx="706674" cy="603381"/>
           </a:xfrm>
           <a:prstGeom prst="ellipse">
@@ -7276,7 +7277,7 @@
         </p:nvSpPr>
         <p:spPr>
           <a:xfrm>
-            <a:off x="37567457" y="9318045"/>
+            <a:off x="37236328" y="9517995"/>
             <a:ext cx="493877" cy="479603"/>
           </a:xfrm>
           <a:prstGeom prst="rect">
@@ -7330,7 +7331,7 @@
         </p:nvSpPr>
         <p:spPr>
           <a:xfrm>
-            <a:off x="40122498" y="13257734"/>
+            <a:off x="39953763" y="13597500"/>
             <a:ext cx="986790" cy="603381"/>
           </a:xfrm>
           <a:prstGeom prst="triangle">
@@ -7389,7 +7390,7 @@
         </p:nvSpPr>
         <p:spPr>
           <a:xfrm>
-            <a:off x="39073278" y="13332404"/>
+            <a:off x="39006236" y="13847601"/>
             <a:ext cx="706674" cy="603381"/>
           </a:xfrm>
           <a:prstGeom prst="ellipse">
@@ -7443,7 +7444,7 @@
         </p:nvSpPr>
         <p:spPr>
           <a:xfrm>
-            <a:off x="38633134" y="8914614"/>
+            <a:off x="38310279" y="9273462"/>
             <a:ext cx="986790" cy="603381"/>
           </a:xfrm>
           <a:prstGeom prst="triangle">
@@ -7502,7 +7503,7 @@
         </p:nvSpPr>
         <p:spPr>
           <a:xfrm>
-            <a:off x="36989390" y="17604323"/>
+            <a:off x="36915092" y="18389557"/>
             <a:ext cx="493877" cy="479603"/>
           </a:xfrm>
           <a:prstGeom prst="rect">
@@ -7556,7 +7557,7 @@
         </p:nvSpPr>
         <p:spPr>
           <a:xfrm>
-            <a:off x="32554631" y="6910219"/>
+            <a:off x="32243369" y="7003824"/>
             <a:ext cx="1776311" cy="461665"/>
           </a:xfrm>
           <a:prstGeom prst="rect">
@@ -7826,8 +7827,8 @@
         </p:nvSpPr>
         <p:spPr>
           <a:xfrm>
-            <a:off x="31618989" y="18434736"/>
-            <a:ext cx="11741096" cy="1077218"/>
+            <a:off x="31072528" y="19001773"/>
+            <a:ext cx="12179007" cy="1077218"/>
           </a:xfrm>
           <a:prstGeom prst="rect">
             <a:avLst/>
@@ -7893,6 +7894,252 @@
           </a:fillRef>
           <a:effectRef idx="0">
             <a:schemeClr val="dk1"/>
+          </a:effectRef>
+          <a:fontRef idx="minor">
+            <a:schemeClr val="tx1"/>
+          </a:fontRef>
+        </p:style>
+      </p:cxnSp>
+      <p:cxnSp>
+        <p:nvCxnSpPr>
+          <p:cNvPr id="20" name="Straight Arrow Connector 19"/>
+          <p:cNvCxnSpPr/>
+          <p:nvPr/>
+        </p:nvCxnSpPr>
+        <p:spPr>
+          <a:xfrm flipH="1">
+            <a:off x="35032950" y="10668719"/>
+            <a:ext cx="1307720" cy="1"/>
+          </a:xfrm>
+          <a:prstGeom prst="straightConnector1">
+            <a:avLst/>
+          </a:prstGeom>
+          <a:ln w="76200">
+            <a:tailEnd type="triangle"/>
+          </a:ln>
+        </p:spPr>
+        <p:style>
+          <a:lnRef idx="1">
+            <a:schemeClr val="accent6"/>
+          </a:lnRef>
+          <a:fillRef idx="0">
+            <a:schemeClr val="accent6"/>
+          </a:fillRef>
+          <a:effectRef idx="0">
+            <a:schemeClr val="accent6"/>
+          </a:effectRef>
+          <a:fontRef idx="minor">
+            <a:schemeClr val="tx1"/>
+          </a:fontRef>
+        </p:style>
+      </p:cxnSp>
+      <p:cxnSp>
+        <p:nvCxnSpPr>
+          <p:cNvPr id="96" name="Straight Arrow Connector 95"/>
+          <p:cNvCxnSpPr/>
+          <p:nvPr/>
+        </p:nvCxnSpPr>
+        <p:spPr>
+          <a:xfrm flipH="1" flipV="1">
+            <a:off x="38802498" y="12261963"/>
+            <a:ext cx="1176" cy="644496"/>
+          </a:xfrm>
+          <a:prstGeom prst="straightConnector1">
+            <a:avLst/>
+          </a:prstGeom>
+          <a:ln w="76200">
+            <a:tailEnd type="triangle"/>
+          </a:ln>
+        </p:spPr>
+        <p:style>
+          <a:lnRef idx="1">
+            <a:schemeClr val="accent6"/>
+          </a:lnRef>
+          <a:fillRef idx="0">
+            <a:schemeClr val="accent6"/>
+          </a:fillRef>
+          <a:effectRef idx="0">
+            <a:schemeClr val="accent6"/>
+          </a:effectRef>
+          <a:fontRef idx="minor">
+            <a:schemeClr val="tx1"/>
+          </a:fontRef>
+        </p:style>
+      </p:cxnSp>
+      <p:cxnSp>
+        <p:nvCxnSpPr>
+          <p:cNvPr id="100" name="Straight Arrow Connector 99"/>
+          <p:cNvCxnSpPr/>
+          <p:nvPr/>
+        </p:nvCxnSpPr>
+        <p:spPr>
+          <a:xfrm flipV="1">
+            <a:off x="33842140" y="11158445"/>
+            <a:ext cx="0" cy="1103518"/>
+          </a:xfrm>
+          <a:prstGeom prst="straightConnector1">
+            <a:avLst/>
+          </a:prstGeom>
+          <a:ln w="76200">
+            <a:solidFill>
+              <a:schemeClr val="accent1"/>
+            </a:solidFill>
+            <a:tailEnd type="triangle"/>
+          </a:ln>
+        </p:spPr>
+        <p:style>
+          <a:lnRef idx="1">
+            <a:schemeClr val="accent6"/>
+          </a:lnRef>
+          <a:fillRef idx="0">
+            <a:schemeClr val="accent6"/>
+          </a:fillRef>
+          <a:effectRef idx="0">
+            <a:schemeClr val="accent6"/>
+          </a:effectRef>
+          <a:fontRef idx="minor">
+            <a:schemeClr val="tx1"/>
+          </a:fontRef>
+        </p:style>
+      </p:cxnSp>
+      <p:cxnSp>
+        <p:nvCxnSpPr>
+          <p:cNvPr id="103" name="Straight Arrow Connector 102"/>
+          <p:cNvCxnSpPr/>
+          <p:nvPr/>
+        </p:nvCxnSpPr>
+        <p:spPr>
+          <a:xfrm flipV="1">
+            <a:off x="36915092" y="15936601"/>
+            <a:ext cx="0" cy="1103518"/>
+          </a:xfrm>
+          <a:prstGeom prst="straightConnector1">
+            <a:avLst/>
+          </a:prstGeom>
+          <a:ln w="76200">
+            <a:solidFill>
+              <a:schemeClr val="accent1"/>
+            </a:solidFill>
+            <a:tailEnd type="triangle"/>
+          </a:ln>
+        </p:spPr>
+        <p:style>
+          <a:lnRef idx="1">
+            <a:schemeClr val="accent6"/>
+          </a:lnRef>
+          <a:fillRef idx="0">
+            <a:schemeClr val="accent6"/>
+          </a:fillRef>
+          <a:effectRef idx="0">
+            <a:schemeClr val="accent6"/>
+          </a:effectRef>
+          <a:fontRef idx="minor">
+            <a:schemeClr val="tx1"/>
+          </a:fontRef>
+        </p:style>
+      </p:cxnSp>
+      <p:cxnSp>
+        <p:nvCxnSpPr>
+          <p:cNvPr id="104" name="Straight Arrow Connector 103"/>
+          <p:cNvCxnSpPr/>
+          <p:nvPr/>
+        </p:nvCxnSpPr>
+        <p:spPr>
+          <a:xfrm flipV="1">
+            <a:off x="35232790" y="8705850"/>
+            <a:ext cx="929517" cy="726168"/>
+          </a:xfrm>
+          <a:prstGeom prst="straightConnector1">
+            <a:avLst/>
+          </a:prstGeom>
+          <a:ln w="76200">
+            <a:solidFill>
+              <a:schemeClr val="accent1"/>
+            </a:solidFill>
+            <a:tailEnd type="triangle"/>
+          </a:ln>
+        </p:spPr>
+        <p:style>
+          <a:lnRef idx="1">
+            <a:schemeClr val="accent6"/>
+          </a:lnRef>
+          <a:fillRef idx="0">
+            <a:schemeClr val="accent6"/>
+          </a:fillRef>
+          <a:effectRef idx="0">
+            <a:schemeClr val="accent6"/>
+          </a:effectRef>
+          <a:fontRef idx="minor">
+            <a:schemeClr val="tx1"/>
+          </a:fontRef>
+        </p:style>
+      </p:cxnSp>
+      <p:cxnSp>
+        <p:nvCxnSpPr>
+          <p:cNvPr id="106" name="Straight Arrow Connector 105"/>
+          <p:cNvCxnSpPr/>
+          <p:nvPr/>
+        </p:nvCxnSpPr>
+        <p:spPr>
+          <a:xfrm flipV="1">
+            <a:off x="40410039" y="12021566"/>
+            <a:ext cx="757011" cy="679146"/>
+          </a:xfrm>
+          <a:prstGeom prst="straightConnector1">
+            <a:avLst/>
+          </a:prstGeom>
+          <a:ln w="76200">
+            <a:solidFill>
+              <a:srgbClr val="FF0000"/>
+            </a:solidFill>
+            <a:tailEnd type="triangle"/>
+          </a:ln>
+        </p:spPr>
+        <p:style>
+          <a:lnRef idx="1">
+            <a:schemeClr val="accent6"/>
+          </a:lnRef>
+          <a:fillRef idx="0">
+            <a:schemeClr val="accent6"/>
+          </a:fillRef>
+          <a:effectRef idx="0">
+            <a:schemeClr val="accent6"/>
+          </a:effectRef>
+          <a:fontRef idx="minor">
+            <a:schemeClr val="tx1"/>
+          </a:fontRef>
+        </p:style>
+      </p:cxnSp>
+      <p:cxnSp>
+        <p:nvCxnSpPr>
+          <p:cNvPr id="108" name="Straight Arrow Connector 107"/>
+          <p:cNvCxnSpPr/>
+          <p:nvPr/>
+        </p:nvCxnSpPr>
+        <p:spPr>
+          <a:xfrm flipH="1" flipV="1">
+            <a:off x="41515294" y="8505911"/>
+            <a:ext cx="446930" cy="1402945"/>
+          </a:xfrm>
+          <a:prstGeom prst="straightConnector1">
+            <a:avLst/>
+          </a:prstGeom>
+          <a:ln w="76200">
+            <a:solidFill>
+              <a:srgbClr val="FF0000"/>
+            </a:solidFill>
+            <a:tailEnd type="triangle"/>
+          </a:ln>
+        </p:spPr>
+        <p:style>
+          <a:lnRef idx="1">
+            <a:schemeClr val="accent6"/>
+          </a:lnRef>
+          <a:fillRef idx="0">
+            <a:schemeClr val="accent6"/>
+          </a:fillRef>
+          <a:effectRef idx="0">
+            <a:schemeClr val="accent6"/>
           </a:effectRef>
           <a:fontRef idx="minor">
             <a:schemeClr val="tx1"/>
